--- a/Article/JAVA/명저로다시보는_객체지향/img/img.pptx
+++ b/Article/JAVA/명저로다시보는_객체지향/img/img.pptx
@@ -7,6 +7,7 @@
   <p:sldIdLst>
     <p:sldId id="257" r:id="rId2"/>
     <p:sldId id="256" r:id="rId3"/>
+    <p:sldId id="258" r:id="rId4"/>
   </p:sldIdLst>
   <p:sldSz cx="12192000" cy="6858000"/>
   <p:notesSz cx="6858000" cy="9144000"/>
@@ -271,7 +272,7 @@
           <a:p>
             <a:fld id="{F215687C-1125-41AE-9CE9-F5FD3A4ED556}" type="datetimeFigureOut">
               <a:rPr lang="ko-KR" altLang="en-US" smtClean="0"/>
-              <a:t>2020-03-19</a:t>
+              <a:t>2020-03-26</a:t>
             </a:fld>
             <a:endParaRPr lang="ko-KR" altLang="en-US"/>
           </a:p>
@@ -469,7 +470,7 @@
           <a:p>
             <a:fld id="{F215687C-1125-41AE-9CE9-F5FD3A4ED556}" type="datetimeFigureOut">
               <a:rPr lang="ko-KR" altLang="en-US" smtClean="0"/>
-              <a:t>2020-03-19</a:t>
+              <a:t>2020-03-26</a:t>
             </a:fld>
             <a:endParaRPr lang="ko-KR" altLang="en-US"/>
           </a:p>
@@ -677,7 +678,7 @@
           <a:p>
             <a:fld id="{F215687C-1125-41AE-9CE9-F5FD3A4ED556}" type="datetimeFigureOut">
               <a:rPr lang="ko-KR" altLang="en-US" smtClean="0"/>
-              <a:t>2020-03-19</a:t>
+              <a:t>2020-03-26</a:t>
             </a:fld>
             <a:endParaRPr lang="ko-KR" altLang="en-US"/>
           </a:p>
@@ -875,7 +876,7 @@
           <a:p>
             <a:fld id="{F215687C-1125-41AE-9CE9-F5FD3A4ED556}" type="datetimeFigureOut">
               <a:rPr lang="ko-KR" altLang="en-US" smtClean="0"/>
-              <a:t>2020-03-19</a:t>
+              <a:t>2020-03-26</a:t>
             </a:fld>
             <a:endParaRPr lang="ko-KR" altLang="en-US"/>
           </a:p>
@@ -1150,7 +1151,7 @@
           <a:p>
             <a:fld id="{F215687C-1125-41AE-9CE9-F5FD3A4ED556}" type="datetimeFigureOut">
               <a:rPr lang="ko-KR" altLang="en-US" smtClean="0"/>
-              <a:t>2020-03-19</a:t>
+              <a:t>2020-03-26</a:t>
             </a:fld>
             <a:endParaRPr lang="ko-KR" altLang="en-US"/>
           </a:p>
@@ -1415,7 +1416,7 @@
           <a:p>
             <a:fld id="{F215687C-1125-41AE-9CE9-F5FD3A4ED556}" type="datetimeFigureOut">
               <a:rPr lang="ko-KR" altLang="en-US" smtClean="0"/>
-              <a:t>2020-03-19</a:t>
+              <a:t>2020-03-26</a:t>
             </a:fld>
             <a:endParaRPr lang="ko-KR" altLang="en-US"/>
           </a:p>
@@ -1827,7 +1828,7 @@
           <a:p>
             <a:fld id="{F215687C-1125-41AE-9CE9-F5FD3A4ED556}" type="datetimeFigureOut">
               <a:rPr lang="ko-KR" altLang="en-US" smtClean="0"/>
-              <a:t>2020-03-19</a:t>
+              <a:t>2020-03-26</a:t>
             </a:fld>
             <a:endParaRPr lang="ko-KR" altLang="en-US"/>
           </a:p>
@@ -1968,7 +1969,7 @@
           <a:p>
             <a:fld id="{F215687C-1125-41AE-9CE9-F5FD3A4ED556}" type="datetimeFigureOut">
               <a:rPr lang="ko-KR" altLang="en-US" smtClean="0"/>
-              <a:t>2020-03-19</a:t>
+              <a:t>2020-03-26</a:t>
             </a:fld>
             <a:endParaRPr lang="ko-KR" altLang="en-US"/>
           </a:p>
@@ -2081,7 +2082,7 @@
           <a:p>
             <a:fld id="{F215687C-1125-41AE-9CE9-F5FD3A4ED556}" type="datetimeFigureOut">
               <a:rPr lang="ko-KR" altLang="en-US" smtClean="0"/>
-              <a:t>2020-03-19</a:t>
+              <a:t>2020-03-26</a:t>
             </a:fld>
             <a:endParaRPr lang="ko-KR" altLang="en-US"/>
           </a:p>
@@ -2392,7 +2393,7 @@
           <a:p>
             <a:fld id="{F215687C-1125-41AE-9CE9-F5FD3A4ED556}" type="datetimeFigureOut">
               <a:rPr lang="ko-KR" altLang="en-US" smtClean="0"/>
-              <a:t>2020-03-19</a:t>
+              <a:t>2020-03-26</a:t>
             </a:fld>
             <a:endParaRPr lang="ko-KR" altLang="en-US"/>
           </a:p>
@@ -2680,7 +2681,7 @@
           <a:p>
             <a:fld id="{F215687C-1125-41AE-9CE9-F5FD3A4ED556}" type="datetimeFigureOut">
               <a:rPr lang="ko-KR" altLang="en-US" smtClean="0"/>
-              <a:t>2020-03-19</a:t>
+              <a:t>2020-03-26</a:t>
             </a:fld>
             <a:endParaRPr lang="ko-KR" altLang="en-US"/>
           </a:p>
@@ -2921,7 +2922,7 @@
           <a:p>
             <a:fld id="{F215687C-1125-41AE-9CE9-F5FD3A4ED556}" type="datetimeFigureOut">
               <a:rPr lang="ko-KR" altLang="en-US" smtClean="0"/>
-              <a:t>2020-03-19</a:t>
+              <a:t>2020-03-26</a:t>
             </a:fld>
             <a:endParaRPr lang="ko-KR" altLang="en-US"/>
           </a:p>
@@ -4905,6 +4906,113 @@
 </p:sld>
 </file>
 
+<file path=ppt/slides/slide3.xml><?xml version="1.0" encoding="utf-8"?>
+<p:sld xmlns:a="http://schemas.openxmlformats.org/drawingml/2006/main" xmlns:r="http://schemas.openxmlformats.org/officeDocument/2006/relationships" xmlns:p="http://schemas.openxmlformats.org/presentationml/2006/main">
+  <p:cSld>
+    <p:bg>
+      <p:bgPr>
+        <a:solidFill>
+          <a:srgbClr val="212121"/>
+        </a:solidFill>
+        <a:effectLst/>
+      </p:bgPr>
+    </p:bg>
+    <p:spTree>
+      <p:nvGrpSpPr>
+        <p:cNvPr id="1" name=""/>
+        <p:cNvGrpSpPr/>
+        <p:nvPr/>
+      </p:nvGrpSpPr>
+      <p:grpSpPr>
+        <a:xfrm>
+          <a:off x="0" y="0"/>
+          <a:ext cx="0" cy="0"/>
+          <a:chOff x="0" y="0"/>
+          <a:chExt cx="0" cy="0"/>
+        </a:xfrm>
+      </p:grpSpPr>
+      <p:sp>
+        <p:nvSpPr>
+          <p:cNvPr id="7" name="TextBox 6">
+            <a:extLst>
+              <a:ext uri="{FF2B5EF4-FFF2-40B4-BE49-F238E27FC236}">
+                <a16:creationId xmlns:a16="http://schemas.microsoft.com/office/drawing/2014/main" id="{D044E049-468D-4E43-A346-3403EA602262}"/>
+              </a:ext>
+            </a:extLst>
+          </p:cNvPr>
+          <p:cNvSpPr txBox="1"/>
+          <p:nvPr/>
+        </p:nvSpPr>
+        <p:spPr>
+          <a:xfrm>
+            <a:off x="2850444" y="2705725"/>
+            <a:ext cx="6491111" cy="1446550"/>
+          </a:xfrm>
+          <a:prstGeom prst="rect">
+            <a:avLst/>
+          </a:prstGeom>
+          <a:noFill/>
+        </p:spPr>
+        <p:txBody>
+          <a:bodyPr wrap="square" rtlCol="0">
+            <a:spAutoFit/>
+          </a:bodyPr>
+          <a:lstStyle/>
+          <a:p>
+            <a:pPr algn="ctr"/>
+            <a:r>
+              <a:rPr lang="en-US" altLang="ko-KR" sz="8800" b="1">
+                <a:solidFill>
+                  <a:srgbClr val="C792EA"/>
+                </a:solidFill>
+                <a:latin typeface="Rockwell Extra Bold" panose="02060903040505020403" pitchFamily="18" charset="0"/>
+                <a:cs typeface="Aharoni" panose="020B0604020202020204" pitchFamily="2" charset="-79"/>
+              </a:rPr>
+              <a:t>&lt;</a:t>
+            </a:r>
+            <a:r>
+              <a:rPr lang="en-US" altLang="ko-KR" sz="8800" b="1">
+                <a:solidFill>
+                  <a:srgbClr val="F3C267"/>
+                </a:solidFill>
+                <a:latin typeface="Aharoni" panose="020B0604020202020204" pitchFamily="2" charset="-79"/>
+                <a:cs typeface="Aharoni" panose="020B0604020202020204" pitchFamily="2" charset="-79"/>
+              </a:rPr>
+              <a:t>OODP</a:t>
+            </a:r>
+            <a:r>
+              <a:rPr lang="en-US" altLang="ko-KR" sz="8800" b="1">
+                <a:solidFill>
+                  <a:srgbClr val="C792EA"/>
+                </a:solidFill>
+                <a:latin typeface="Rockwell Extra Bold" panose="02060903040505020403" pitchFamily="18" charset="0"/>
+                <a:cs typeface="Aharoni" panose="020B0604020202020204" pitchFamily="2" charset="-79"/>
+              </a:rPr>
+              <a:t>/&gt;</a:t>
+            </a:r>
+            <a:endParaRPr lang="ko-KR" altLang="en-US" sz="8800" b="1">
+              <a:solidFill>
+                <a:srgbClr val="C792EA"/>
+              </a:solidFill>
+              <a:latin typeface="Rockwell Extra Bold" panose="02060903040505020403" pitchFamily="18" charset="0"/>
+              <a:cs typeface="Aharoni" panose="020B0604020202020204" pitchFamily="2" charset="-79"/>
+            </a:endParaRPr>
+          </a:p>
+        </p:txBody>
+      </p:sp>
+    </p:spTree>
+    <p:extLst>
+      <p:ext uri="{BB962C8B-B14F-4D97-AF65-F5344CB8AC3E}">
+        <p14:creationId xmlns:p14="http://schemas.microsoft.com/office/powerpoint/2010/main" val="2350941005"/>
+      </p:ext>
+    </p:extLst>
+  </p:cSld>
+  <p:clrMapOvr>
+    <a:masterClrMapping/>
+  </p:clrMapOvr>
+</p:sld>
+</file>
+
 <file path=ppt/theme/theme1.xml><?xml version="1.0" encoding="utf-8"?>
 <a:theme xmlns:a="http://schemas.openxmlformats.org/drawingml/2006/main" name="Office 테마">
   <a:themeElements>
